--- a/Slides/csv2lines.pptx
+++ b/Slides/csv2lines.pptx
@@ -221,7 +221,7 @@
           <a:p>
             <a:fld id="{9410D272-305C-421E-A9EF-95D63D599B42}" type="datetimeFigureOut">
               <a:rPr lang="en-US" smtClean="0"/>
-              <a:t>4/2/2023</a:t>
+              <a:t>4/3/2023</a:t>
             </a:fld>
             <a:endParaRPr lang="en-US" dirty="0"/>
           </a:p>
@@ -398,7 +398,7 @@
           <a:p>
             <a:fld id="{05E16E63-7886-43BC-8DD4-4F14C3DD7360}" type="datetimeFigureOut">
               <a:rPr lang="en-US" smtClean="0"/>
-              <a:t>4/2/2023</a:t>
+              <a:t>4/3/2023</a:t>
             </a:fld>
             <a:endParaRPr lang="en-US" dirty="0"/>
           </a:p>
@@ -6691,7 +6691,7 @@
         </p:nvSpPr>
         <p:spPr>
           <a:xfrm>
-            <a:off x="5143661" y="3244906"/>
+            <a:off x="5186688" y="3277410"/>
             <a:ext cx="866274" cy="667753"/>
           </a:xfrm>
           <a:prstGeom prst="rightArrow">
@@ -6756,10 +6756,10 @@
       </p:pic>
       <p:pic>
         <p:nvPicPr>
-          <p:cNvPr id="29" name="Picture 28" descr="Graphical user interface&#10;&#10;Description automatically generated">
-            <a:extLst>
-              <a:ext uri="{FF2B5EF4-FFF2-40B4-BE49-F238E27FC236}">
-                <a16:creationId xmlns:a16="http://schemas.microsoft.com/office/drawing/2014/main" id="{73673754-2DA4-E388-4CE2-9FC19FEDBFA0}"/>
+          <p:cNvPr id="30" name="Picture 29" descr="A picture containing text, window&#10;&#10;Description automatically generated">
+            <a:extLst>
+              <a:ext uri="{FF2B5EF4-FFF2-40B4-BE49-F238E27FC236}">
+                <a16:creationId xmlns:a16="http://schemas.microsoft.com/office/drawing/2014/main" id="{457C3337-CC7D-3B46-9120-9DC126C44F65}"/>
               </a:ext>
             </a:extLst>
           </p:cNvPr>
@@ -6768,15 +6768,16 @@
           </p:cNvPicPr>
           <p:nvPr/>
         </p:nvPicPr>
-        <p:blipFill rotWithShape="1">
+        <p:blipFill>
           <a:blip r:embed="rId7"/>
-          <a:srcRect t="4598" r="25138" b="16409"/>
-          <a:stretch/>
+          <a:stretch>
+            <a:fillRect/>
+          </a:stretch>
         </p:blipFill>
         <p:spPr>
           <a:xfrm>
-            <a:off x="6130919" y="2090128"/>
-            <a:ext cx="5771944" cy="3425884"/>
+            <a:off x="312011" y="2575476"/>
+            <a:ext cx="4703348" cy="2215677"/>
           </a:xfrm>
           <a:prstGeom prst="round2DiagRect">
             <a:avLst>
@@ -6801,10 +6802,10 @@
       </p:pic>
       <p:pic>
         <p:nvPicPr>
-          <p:cNvPr id="30" name="Picture 29" descr="A picture containing text, window&#10;&#10;Description automatically generated">
-            <a:extLst>
-              <a:ext uri="{FF2B5EF4-FFF2-40B4-BE49-F238E27FC236}">
-                <a16:creationId xmlns:a16="http://schemas.microsoft.com/office/drawing/2014/main" id="{457C3337-CC7D-3B46-9120-9DC126C44F65}"/>
+          <p:cNvPr id="4" name="Picture 3" descr="A screenshot of a computer&#10;&#10;Description automatically generated with medium confidence">
+            <a:extLst>
+              <a:ext uri="{FF2B5EF4-FFF2-40B4-BE49-F238E27FC236}">
+                <a16:creationId xmlns:a16="http://schemas.microsoft.com/office/drawing/2014/main" id="{C290B4E9-977F-802F-80D1-D8DE1243AA7F}"/>
               </a:ext>
             </a:extLst>
           </p:cNvPr>
@@ -6813,16 +6814,15 @@
           </p:cNvPicPr>
           <p:nvPr/>
         </p:nvPicPr>
-        <p:blipFill>
+        <p:blipFill rotWithShape="1">
           <a:blip r:embed="rId8"/>
-          <a:stretch>
-            <a:fillRect/>
-          </a:stretch>
+          <a:srcRect t="7843" r="19191" b="16993"/>
+          <a:stretch/>
         </p:blipFill>
         <p:spPr>
           <a:xfrm>
-            <a:off x="189205" y="2548581"/>
-            <a:ext cx="4703348" cy="2215677"/>
+            <a:off x="6182064" y="2122098"/>
+            <a:ext cx="5692589" cy="2978379"/>
           </a:xfrm>
           <a:prstGeom prst="round2DiagRect">
             <a:avLst>
@@ -8997,10 +8997,10 @@
       </p:sp>
       <p:pic>
         <p:nvPicPr>
-          <p:cNvPr id="12" name="Picture 11" descr="Text&#10;&#10;Description automatically generated">
-            <a:extLst>
-              <a:ext uri="{FF2B5EF4-FFF2-40B4-BE49-F238E27FC236}">
-                <a16:creationId xmlns:a16="http://schemas.microsoft.com/office/drawing/2014/main" id="{A540207E-9F1F-9936-9429-0711D776CF13}"/>
+          <p:cNvPr id="14" name="Picture 13" descr="Text&#10;&#10;Description automatically generated">
+            <a:extLst>
+              <a:ext uri="{FF2B5EF4-FFF2-40B4-BE49-F238E27FC236}">
+                <a16:creationId xmlns:a16="http://schemas.microsoft.com/office/drawing/2014/main" id="{A86D7248-E251-A7B6-E460-3A192521A936}"/>
               </a:ext>
             </a:extLst>
           </p:cNvPr>
@@ -9011,52 +9011,6 @@
         </p:nvPicPr>
         <p:blipFill>
           <a:blip r:embed="rId6"/>
-          <a:stretch>
-            <a:fillRect/>
-          </a:stretch>
-        </p:blipFill>
-        <p:spPr>
-          <a:xfrm>
-            <a:off x="8130268" y="2816542"/>
-            <a:ext cx="2042432" cy="3510915"/>
-          </a:xfrm>
-          <a:prstGeom prst="round2DiagRect">
-            <a:avLst>
-              <a:gd name="adj1" fmla="val 16667"/>
-              <a:gd name="adj2" fmla="val 0"/>
-            </a:avLst>
-          </a:prstGeom>
-          <a:ln w="88900" cap="sq">
-            <a:solidFill>
-              <a:srgbClr val="FFFFFF"/>
-            </a:solidFill>
-            <a:miter lim="800000"/>
-          </a:ln>
-          <a:effectLst>
-            <a:outerShdw blurRad="254000" algn="tl" rotWithShape="0">
-              <a:srgbClr val="000000">
-                <a:alpha val="43000"/>
-              </a:srgbClr>
-            </a:outerShdw>
-          </a:effectLst>
-        </p:spPr>
-      </p:pic>
-      <p:pic>
-        <p:nvPicPr>
-          <p:cNvPr id="14" name="Picture 13" descr="Text&#10;&#10;Description automatically generated">
-            <a:extLst>
-              <a:ext uri="{FF2B5EF4-FFF2-40B4-BE49-F238E27FC236}">
-                <a16:creationId xmlns:a16="http://schemas.microsoft.com/office/drawing/2014/main" id="{A86D7248-E251-A7B6-E460-3A192521A936}"/>
-              </a:ext>
-            </a:extLst>
-          </p:cNvPr>
-          <p:cNvPicPr>
-            <a:picLocks noChangeAspect="1"/>
-          </p:cNvPicPr>
-          <p:nvPr/>
-        </p:nvPicPr>
-        <p:blipFill>
-          <a:blip r:embed="rId7"/>
           <a:stretch>
             <a:fillRect/>
           </a:stretch>
@@ -9116,6 +9070,52 @@
           <p:nvPr/>
         </p:nvPicPr>
         <p:blipFill>
+          <a:blip r:embed="rId7"/>
+          <a:stretch>
+            <a:fillRect/>
+          </a:stretch>
+        </p:blipFill>
+        <p:spPr>
+          <a:xfrm>
+            <a:off x="1243421" y="3277078"/>
+            <a:ext cx="6244046" cy="2941477"/>
+          </a:xfrm>
+          <a:prstGeom prst="round2DiagRect">
+            <a:avLst>
+              <a:gd name="adj1" fmla="val 16667"/>
+              <a:gd name="adj2" fmla="val 0"/>
+            </a:avLst>
+          </a:prstGeom>
+          <a:ln w="88900" cap="sq">
+            <a:solidFill>
+              <a:srgbClr val="FFFFFF"/>
+            </a:solidFill>
+            <a:miter lim="800000"/>
+          </a:ln>
+          <a:effectLst>
+            <a:outerShdw blurRad="254000" algn="tl" rotWithShape="0">
+              <a:srgbClr val="000000">
+                <a:alpha val="43000"/>
+              </a:srgbClr>
+            </a:outerShdw>
+          </a:effectLst>
+        </p:spPr>
+      </p:pic>
+      <p:pic>
+        <p:nvPicPr>
+          <p:cNvPr id="6" name="Picture 5" descr="A screenshot of a computer&#10;&#10;Description automatically generated with medium confidence">
+            <a:extLst>
+              <a:ext uri="{FF2B5EF4-FFF2-40B4-BE49-F238E27FC236}">
+                <a16:creationId xmlns:a16="http://schemas.microsoft.com/office/drawing/2014/main" id="{ADB22814-D928-9241-D3DD-CC80E2C9A2EE}"/>
+              </a:ext>
+            </a:extLst>
+          </p:cNvPr>
+          <p:cNvPicPr>
+            <a:picLocks noChangeAspect="1"/>
+          </p:cNvPicPr>
+          <p:nvPr/>
+        </p:nvPicPr>
+        <p:blipFill>
           <a:blip r:embed="rId8"/>
           <a:stretch>
             <a:fillRect/>
@@ -9123,8 +9123,8 @@
         </p:blipFill>
         <p:spPr>
           <a:xfrm>
-            <a:off x="1243421" y="3277078"/>
-            <a:ext cx="6244046" cy="2941477"/>
+            <a:off x="8165374" y="1081077"/>
+            <a:ext cx="3301187" cy="5369859"/>
           </a:xfrm>
           <a:prstGeom prst="round2DiagRect">
             <a:avLst>
@@ -11807,6 +11807,15 @@
 </file>
 
 <file path=customXml/item1.xml><?xml version="1.0" encoding="utf-8"?>
+<?mso-contentType ?>
+<FormTemplates xmlns="http://schemas.microsoft.com/sharepoint/v3/contenttype/forms">
+  <Display>DocumentLibraryForm</Display>
+  <Edit>DocumentLibraryForm</Edit>
+  <New>DocumentLibraryForm</New>
+</FormTemplates>
+</file>
+
+<file path=customXml/item2.xml><?xml version="1.0" encoding="utf-8"?>
 <p:properties xmlns:p="http://schemas.microsoft.com/office/2006/metadata/properties" xmlns:xsi="http://www.w3.org/2001/XMLSchema-instance" xmlns:pc="http://schemas.microsoft.com/office/infopath/2007/PartnerControls">
   <documentManagement>
     <Status xmlns="71af3243-3dd4-4a8d-8c0d-dd76da1f02a5">Not started</Status>
@@ -11823,15 +11832,6 @@
     <MediaServiceKeyPoints xmlns="71af3243-3dd4-4a8d-8c0d-dd76da1f02a5" xsi:nil="true"/>
   </documentManagement>
 </p:properties>
-</file>
-
-<file path=customXml/item2.xml><?xml version="1.0" encoding="utf-8"?>
-<?mso-contentType ?>
-<FormTemplates xmlns="http://schemas.microsoft.com/sharepoint/v3/contenttype/forms">
-  <Display>DocumentLibraryForm</Display>
-  <Edit>DocumentLibraryForm</Edit>
-  <New>DocumentLibraryForm</New>
-</FormTemplates>
 </file>
 
 <file path=customXml/item3.xml><?xml version="1.0" encoding="utf-8"?>
@@ -12111,6 +12111,14 @@
 </file>
 
 <file path=customXml/itemProps1.xml><?xml version="1.0" encoding="utf-8"?>
+<ds:datastoreItem xmlns:ds="http://schemas.openxmlformats.org/officeDocument/2006/customXml" ds:itemID="{A5CCB28C-7D26-4A36-9CFC-D739C28F3D18}">
+  <ds:schemaRefs>
+    <ds:schemaRef ds:uri="http://schemas.microsoft.com/sharepoint/v3/contenttype/forms"/>
+  </ds:schemaRefs>
+</ds:datastoreItem>
+</file>
+
+<file path=customXml/itemProps2.xml><?xml version="1.0" encoding="utf-8"?>
 <ds:datastoreItem xmlns:ds="http://schemas.openxmlformats.org/officeDocument/2006/customXml" ds:itemID="{08757C30-AE9A-4680-90EB-19D282EC2B7C}">
   <ds:schemaRefs>
     <ds:schemaRef ds:uri="http://schemas.microsoft.com/office/2006/metadata/properties"/>
@@ -12118,14 +12126,6 @@
     <ds:schemaRef ds:uri="71af3243-3dd4-4a8d-8c0d-dd76da1f02a5"/>
     <ds:schemaRef ds:uri="http://schemas.microsoft.com/sharepoint/v3"/>
     <ds:schemaRef ds:uri="230e9df3-be65-4c73-a93b-d1236ebd677e"/>
-  </ds:schemaRefs>
-</ds:datastoreItem>
-</file>
-
-<file path=customXml/itemProps2.xml><?xml version="1.0" encoding="utf-8"?>
-<ds:datastoreItem xmlns:ds="http://schemas.openxmlformats.org/officeDocument/2006/customXml" ds:itemID="{A5CCB28C-7D26-4A36-9CFC-D739C28F3D18}">
-  <ds:schemaRefs>
-    <ds:schemaRef ds:uri="http://schemas.microsoft.com/sharepoint/v3/contenttype/forms"/>
   </ds:schemaRefs>
 </ds:datastoreItem>
 </file>

--- a/Slides/csv2lines.pptx
+++ b/Slides/csv2lines.pptx
@@ -221,7 +221,7 @@
           <a:p>
             <a:fld id="{9410D272-305C-421E-A9EF-95D63D599B42}" type="datetimeFigureOut">
               <a:rPr lang="en-US" smtClean="0"/>
-              <a:t>4/3/2023</a:t>
+              <a:t>4/4/2023</a:t>
             </a:fld>
             <a:endParaRPr lang="en-US" dirty="0"/>
           </a:p>
@@ -398,7 +398,7 @@
           <a:p>
             <a:fld id="{05E16E63-7886-43BC-8DD4-4F14C3DD7360}" type="datetimeFigureOut">
               <a:rPr lang="en-US" smtClean="0"/>
-              <a:t>4/3/2023</a:t>
+              <a:t>4/4/2023</a:t>
             </a:fld>
             <a:endParaRPr lang="en-US" dirty="0"/>
           </a:p>
@@ -9077,7 +9077,7 @@
         </p:blipFill>
         <p:spPr>
           <a:xfrm>
-            <a:off x="1243421" y="3277078"/>
+            <a:off x="1358269" y="3060580"/>
             <a:ext cx="6244046" cy="2941477"/>
           </a:xfrm>
           <a:prstGeom prst="round2DiagRect">
@@ -9123,7 +9123,7 @@
         </p:blipFill>
         <p:spPr>
           <a:xfrm>
-            <a:off x="8165374" y="1081077"/>
+            <a:off x="8061787" y="983951"/>
             <a:ext cx="3301187" cy="5369859"/>
           </a:xfrm>
           <a:prstGeom prst="round2DiagRect">
@@ -11807,15 +11807,6 @@
 </file>
 
 <file path=customXml/item1.xml><?xml version="1.0" encoding="utf-8"?>
-<?mso-contentType ?>
-<FormTemplates xmlns="http://schemas.microsoft.com/sharepoint/v3/contenttype/forms">
-  <Display>DocumentLibraryForm</Display>
-  <Edit>DocumentLibraryForm</Edit>
-  <New>DocumentLibraryForm</New>
-</FormTemplates>
-</file>
-
-<file path=customXml/item2.xml><?xml version="1.0" encoding="utf-8"?>
 <p:properties xmlns:p="http://schemas.microsoft.com/office/2006/metadata/properties" xmlns:xsi="http://www.w3.org/2001/XMLSchema-instance" xmlns:pc="http://schemas.microsoft.com/office/infopath/2007/PartnerControls">
   <documentManagement>
     <Status xmlns="71af3243-3dd4-4a8d-8c0d-dd76da1f02a5">Not started</Status>
@@ -11832,6 +11823,15 @@
     <MediaServiceKeyPoints xmlns="71af3243-3dd4-4a8d-8c0d-dd76da1f02a5" xsi:nil="true"/>
   </documentManagement>
 </p:properties>
+</file>
+
+<file path=customXml/item2.xml><?xml version="1.0" encoding="utf-8"?>
+<?mso-contentType ?>
+<FormTemplates xmlns="http://schemas.microsoft.com/sharepoint/v3/contenttype/forms">
+  <Display>DocumentLibraryForm</Display>
+  <Edit>DocumentLibraryForm</Edit>
+  <New>DocumentLibraryForm</New>
+</FormTemplates>
 </file>
 
 <file path=customXml/item3.xml><?xml version="1.0" encoding="utf-8"?>
@@ -12111,14 +12111,6 @@
 </file>
 
 <file path=customXml/itemProps1.xml><?xml version="1.0" encoding="utf-8"?>
-<ds:datastoreItem xmlns:ds="http://schemas.openxmlformats.org/officeDocument/2006/customXml" ds:itemID="{A5CCB28C-7D26-4A36-9CFC-D739C28F3D18}">
-  <ds:schemaRefs>
-    <ds:schemaRef ds:uri="http://schemas.microsoft.com/sharepoint/v3/contenttype/forms"/>
-  </ds:schemaRefs>
-</ds:datastoreItem>
-</file>
-
-<file path=customXml/itemProps2.xml><?xml version="1.0" encoding="utf-8"?>
 <ds:datastoreItem xmlns:ds="http://schemas.openxmlformats.org/officeDocument/2006/customXml" ds:itemID="{08757C30-AE9A-4680-90EB-19D282EC2B7C}">
   <ds:schemaRefs>
     <ds:schemaRef ds:uri="http://schemas.microsoft.com/office/2006/metadata/properties"/>
@@ -12126,6 +12118,14 @@
     <ds:schemaRef ds:uri="71af3243-3dd4-4a8d-8c0d-dd76da1f02a5"/>
     <ds:schemaRef ds:uri="http://schemas.microsoft.com/sharepoint/v3"/>
     <ds:schemaRef ds:uri="230e9df3-be65-4c73-a93b-d1236ebd677e"/>
+  </ds:schemaRefs>
+</ds:datastoreItem>
+</file>
+
+<file path=customXml/itemProps2.xml><?xml version="1.0" encoding="utf-8"?>
+<ds:datastoreItem xmlns:ds="http://schemas.openxmlformats.org/officeDocument/2006/customXml" ds:itemID="{A5CCB28C-7D26-4A36-9CFC-D739C28F3D18}">
+  <ds:schemaRefs>
+    <ds:schemaRef ds:uri="http://schemas.microsoft.com/sharepoint/v3/contenttype/forms"/>
   </ds:schemaRefs>
 </ds:datastoreItem>
 </file>

--- a/Slides/csv2lines.pptx
+++ b/Slides/csv2lines.pptx
@@ -8528,7 +8528,7 @@
           </a:prstGeom>
           <a:ln w="19050">
             <a:solidFill>
-              <a:srgbClr val="FFC000"/>
+              <a:srgbClr val="00FF00"/>
             </a:solidFill>
             <a:tailEnd type="triangle"/>
           </a:ln>
@@ -8558,22 +8558,23 @@
             </a:extLst>
           </p:cNvPr>
           <p:cNvCxnSpPr>
+            <a:cxnSpLocks/>
             <a:stCxn id="13" idx="3"/>
-            <a:endCxn id="28" idx="1"/>
+            <a:endCxn id="16" idx="1"/>
           </p:cNvCxnSpPr>
           <p:nvPr/>
         </p:nvCxnSpPr>
         <p:spPr>
-          <a:xfrm>
-            <a:off x="7564232" y="3119718"/>
-            <a:ext cx="481813" cy="927327"/>
+          <a:xfrm flipV="1">
+            <a:off x="7564232" y="2823420"/>
+            <a:ext cx="496341" cy="296298"/>
           </a:xfrm>
           <a:prstGeom prst="bentConnector3">
             <a:avLst/>
           </a:prstGeom>
           <a:ln w="19050">
             <a:solidFill>
-              <a:srgbClr val="CC00CC"/>
+              <a:srgbClr val="FFFF00"/>
             </a:solidFill>
             <a:tailEnd type="triangle"/>
           </a:ln>
@@ -8604,13 +8605,15 @@
           </p:cNvPr>
           <p:cNvCxnSpPr>
             <a:cxnSpLocks/>
+            <a:stCxn id="13" idx="3"/>
+            <a:endCxn id="32" idx="1"/>
           </p:cNvCxnSpPr>
           <p:nvPr/>
         </p:nvCxnSpPr>
         <p:spPr>
           <a:xfrm>
-            <a:off x="7540784" y="3138634"/>
-            <a:ext cx="481813" cy="2192038"/>
+            <a:off x="7564232" y="3119718"/>
+            <a:ext cx="496341" cy="954981"/>
           </a:xfrm>
           <a:prstGeom prst="bentConnector3">
             <a:avLst>
@@ -8619,7 +8622,7 @@
           </a:prstGeom>
           <a:ln w="19050">
             <a:solidFill>
-              <a:srgbClr val="FFFF00"/>
+              <a:srgbClr val="00FFFF"/>
             </a:solidFill>
             <a:tailEnd type="triangle"/>
           </a:ln>
@@ -8639,6 +8642,354 @@
           </a:fontRef>
         </p:style>
       </p:cxnSp>
+      <p:sp>
+        <p:nvSpPr>
+          <p:cNvPr id="7" name="TextBox 6">
+            <a:extLst>
+              <a:ext uri="{FF2B5EF4-FFF2-40B4-BE49-F238E27FC236}">
+                <a16:creationId xmlns:a16="http://schemas.microsoft.com/office/drawing/2014/main" id="{2EBCC942-40B2-877E-6E2B-540B0BEFB379}"/>
+              </a:ext>
+            </a:extLst>
+          </p:cNvPr>
+          <p:cNvSpPr txBox="1"/>
+          <p:nvPr/>
+        </p:nvSpPr>
+        <p:spPr>
+          <a:xfrm>
+            <a:off x="8060573" y="1055295"/>
+            <a:ext cx="3707572" cy="1077218"/>
+          </a:xfrm>
+          <a:prstGeom prst="rect">
+            <a:avLst/>
+          </a:prstGeom>
+          <a:ln w="28575">
+            <a:solidFill>
+              <a:srgbClr val="00FF00"/>
+            </a:solidFill>
+          </a:ln>
+        </p:spPr>
+        <p:style>
+          <a:lnRef idx="1">
+            <a:schemeClr val="dk1"/>
+          </a:lnRef>
+          <a:fillRef idx="2">
+            <a:schemeClr val="dk1"/>
+          </a:fillRef>
+          <a:effectRef idx="1">
+            <a:schemeClr val="dk1"/>
+          </a:effectRef>
+          <a:fontRef idx="minor">
+            <a:schemeClr val="dk1"/>
+          </a:fontRef>
+        </p:style>
+        <p:txBody>
+          <a:bodyPr wrap="square" rtlCol="0">
+            <a:spAutoFit/>
+          </a:bodyPr>
+          <a:lstStyle/>
+          <a:p>
+            <a:r>
+              <a:rPr lang="en-US" sz="3600" dirty="0"/>
+              <a:t>Game Object</a:t>
+            </a:r>
+          </a:p>
+          <a:p>
+            <a:r>
+              <a:rPr lang="en-US" sz="2800" dirty="0"/>
+              <a:t>(LineRenderer)</a:t>
+            </a:r>
+          </a:p>
+        </p:txBody>
+      </p:sp>
+      <p:sp>
+        <p:nvSpPr>
+          <p:cNvPr id="16" name="TextBox 15">
+            <a:extLst>
+              <a:ext uri="{FF2B5EF4-FFF2-40B4-BE49-F238E27FC236}">
+                <a16:creationId xmlns:a16="http://schemas.microsoft.com/office/drawing/2014/main" id="{D9D2F5E1-7AE3-5773-5883-8A8CC939B03D}"/>
+              </a:ext>
+            </a:extLst>
+          </p:cNvPr>
+          <p:cNvSpPr txBox="1"/>
+          <p:nvPr/>
+        </p:nvSpPr>
+        <p:spPr>
+          <a:xfrm>
+            <a:off x="8060573" y="2284811"/>
+            <a:ext cx="3707572" cy="1077218"/>
+          </a:xfrm>
+          <a:prstGeom prst="rect">
+            <a:avLst/>
+          </a:prstGeom>
+          <a:ln w="28575">
+            <a:solidFill>
+              <a:srgbClr val="FFFF00"/>
+            </a:solidFill>
+          </a:ln>
+        </p:spPr>
+        <p:style>
+          <a:lnRef idx="1">
+            <a:schemeClr val="dk1"/>
+          </a:lnRef>
+          <a:fillRef idx="2">
+            <a:schemeClr val="dk1"/>
+          </a:fillRef>
+          <a:effectRef idx="1">
+            <a:schemeClr val="dk1"/>
+          </a:effectRef>
+          <a:fontRef idx="minor">
+            <a:schemeClr val="dk1"/>
+          </a:fontRef>
+        </p:style>
+        <p:txBody>
+          <a:bodyPr wrap="square" rtlCol="0">
+            <a:spAutoFit/>
+          </a:bodyPr>
+          <a:lstStyle/>
+          <a:p>
+            <a:r>
+              <a:rPr lang="en-US" sz="3600" dirty="0"/>
+              <a:t>Game Object</a:t>
+            </a:r>
+          </a:p>
+          <a:p>
+            <a:r>
+              <a:rPr lang="en-US" sz="2800" dirty="0"/>
+              <a:t>(LineRenderer)</a:t>
+            </a:r>
+          </a:p>
+        </p:txBody>
+      </p:sp>
+      <p:sp>
+        <p:nvSpPr>
+          <p:cNvPr id="19" name="TextBox 18">
+            <a:extLst>
+              <a:ext uri="{FF2B5EF4-FFF2-40B4-BE49-F238E27FC236}">
+                <a16:creationId xmlns:a16="http://schemas.microsoft.com/office/drawing/2014/main" id="{96E8D28A-8713-3B90-0978-C65A5DB91DEF}"/>
+              </a:ext>
+            </a:extLst>
+          </p:cNvPr>
+          <p:cNvSpPr txBox="1"/>
+          <p:nvPr/>
+        </p:nvSpPr>
+        <p:spPr>
+          <a:xfrm>
+            <a:off x="10849285" y="1732933"/>
+            <a:ext cx="720069" cy="261610"/>
+          </a:xfrm>
+          <a:prstGeom prst="rect">
+            <a:avLst/>
+          </a:prstGeom>
+          <a:solidFill>
+            <a:srgbClr val="00B050"/>
+          </a:solidFill>
+          <a:ln>
+            <a:solidFill>
+              <a:srgbClr val="00FF00"/>
+            </a:solidFill>
+          </a:ln>
+        </p:spPr>
+        <p:style>
+          <a:lnRef idx="1">
+            <a:schemeClr val="accent2"/>
+          </a:lnRef>
+          <a:fillRef idx="2">
+            <a:schemeClr val="accent2"/>
+          </a:fillRef>
+          <a:effectRef idx="1">
+            <a:schemeClr val="accent2"/>
+          </a:effectRef>
+          <a:fontRef idx="minor">
+            <a:schemeClr val="dk1"/>
+          </a:fontRef>
+        </p:style>
+        <p:txBody>
+          <a:bodyPr wrap="none" rtlCol="0">
+            <a:spAutoFit/>
+          </a:bodyPr>
+          <a:lstStyle/>
+          <a:p>
+            <a:r>
+              <a:rPr lang="en-US" sz="1100" dirty="0" err="1"/>
+              <a:t>boolean</a:t>
+            </a:r>
+            <a:endParaRPr lang="en-US" sz="1100" dirty="0"/>
+          </a:p>
+        </p:txBody>
+      </p:sp>
+      <p:sp>
+        <p:nvSpPr>
+          <p:cNvPr id="20" name="TextBox 19">
+            <a:extLst>
+              <a:ext uri="{FF2B5EF4-FFF2-40B4-BE49-F238E27FC236}">
+                <a16:creationId xmlns:a16="http://schemas.microsoft.com/office/drawing/2014/main" id="{D0826882-F397-92AD-2222-C8DDE68132A2}"/>
+              </a:ext>
+            </a:extLst>
+          </p:cNvPr>
+          <p:cNvSpPr txBox="1"/>
+          <p:nvPr/>
+        </p:nvSpPr>
+        <p:spPr>
+          <a:xfrm>
+            <a:off x="10849285" y="2962039"/>
+            <a:ext cx="346570" cy="261610"/>
+          </a:xfrm>
+          <a:prstGeom prst="rect">
+            <a:avLst/>
+          </a:prstGeom>
+          <a:solidFill>
+            <a:srgbClr val="CC9900"/>
+          </a:solidFill>
+          <a:ln>
+            <a:solidFill>
+              <a:srgbClr val="FFFF00"/>
+            </a:solidFill>
+          </a:ln>
+        </p:spPr>
+        <p:style>
+          <a:lnRef idx="1">
+            <a:schemeClr val="accent4"/>
+          </a:lnRef>
+          <a:fillRef idx="2">
+            <a:schemeClr val="accent4"/>
+          </a:fillRef>
+          <a:effectRef idx="1">
+            <a:schemeClr val="accent4"/>
+          </a:effectRef>
+          <a:fontRef idx="minor">
+            <a:schemeClr val="dk1"/>
+          </a:fontRef>
+        </p:style>
+        <p:txBody>
+          <a:bodyPr wrap="none" rtlCol="0">
+            <a:spAutoFit/>
+          </a:bodyPr>
+          <a:lstStyle/>
+          <a:p>
+            <a:r>
+              <a:rPr lang="en-US" sz="1100" dirty="0"/>
+              <a:t>int</a:t>
+            </a:r>
+          </a:p>
+        </p:txBody>
+      </p:sp>
+      <p:sp>
+        <p:nvSpPr>
+          <p:cNvPr id="32" name="TextBox 31">
+            <a:extLst>
+              <a:ext uri="{FF2B5EF4-FFF2-40B4-BE49-F238E27FC236}">
+                <a16:creationId xmlns:a16="http://schemas.microsoft.com/office/drawing/2014/main" id="{813837B0-2AE3-FB67-EB0A-50368DF2BF48}"/>
+              </a:ext>
+            </a:extLst>
+          </p:cNvPr>
+          <p:cNvSpPr txBox="1"/>
+          <p:nvPr/>
+        </p:nvSpPr>
+        <p:spPr>
+          <a:xfrm>
+            <a:off x="8060573" y="3536090"/>
+            <a:ext cx="3707572" cy="1077218"/>
+          </a:xfrm>
+          <a:prstGeom prst="rect">
+            <a:avLst/>
+          </a:prstGeom>
+          <a:ln w="28575">
+            <a:solidFill>
+              <a:srgbClr val="00FFFF"/>
+            </a:solidFill>
+          </a:ln>
+        </p:spPr>
+        <p:style>
+          <a:lnRef idx="1">
+            <a:schemeClr val="dk1"/>
+          </a:lnRef>
+          <a:fillRef idx="2">
+            <a:schemeClr val="dk1"/>
+          </a:fillRef>
+          <a:effectRef idx="1">
+            <a:schemeClr val="dk1"/>
+          </a:effectRef>
+          <a:fontRef idx="minor">
+            <a:schemeClr val="dk1"/>
+          </a:fontRef>
+        </p:style>
+        <p:txBody>
+          <a:bodyPr wrap="square" rtlCol="0">
+            <a:spAutoFit/>
+          </a:bodyPr>
+          <a:lstStyle/>
+          <a:p>
+            <a:r>
+              <a:rPr lang="en-US" sz="3600" dirty="0"/>
+              <a:t>Game Object</a:t>
+            </a:r>
+          </a:p>
+          <a:p>
+            <a:r>
+              <a:rPr lang="en-US" sz="2800" dirty="0"/>
+              <a:t>(LineRenderer)</a:t>
+            </a:r>
+          </a:p>
+        </p:txBody>
+      </p:sp>
+      <p:sp>
+        <p:nvSpPr>
+          <p:cNvPr id="34" name="TextBox 33">
+            <a:extLst>
+              <a:ext uri="{FF2B5EF4-FFF2-40B4-BE49-F238E27FC236}">
+                <a16:creationId xmlns:a16="http://schemas.microsoft.com/office/drawing/2014/main" id="{121CC692-9A1A-7A0A-836D-0ECF31C05048}"/>
+              </a:ext>
+            </a:extLst>
+          </p:cNvPr>
+          <p:cNvSpPr txBox="1"/>
+          <p:nvPr/>
+        </p:nvSpPr>
+        <p:spPr>
+          <a:xfrm>
+            <a:off x="10849285" y="4213318"/>
+            <a:ext cx="647934" cy="261610"/>
+          </a:xfrm>
+          <a:prstGeom prst="rect">
+            <a:avLst/>
+          </a:prstGeom>
+          <a:solidFill>
+            <a:schemeClr val="accent3">
+              <a:lumMod val="75000"/>
+            </a:schemeClr>
+          </a:solidFill>
+          <a:ln>
+            <a:solidFill>
+              <a:srgbClr val="00FFFF"/>
+            </a:solidFill>
+          </a:ln>
+        </p:spPr>
+        <p:style>
+          <a:lnRef idx="1">
+            <a:schemeClr val="accent1"/>
+          </a:lnRef>
+          <a:fillRef idx="2">
+            <a:schemeClr val="accent1"/>
+          </a:fillRef>
+          <a:effectRef idx="1">
+            <a:schemeClr val="accent1"/>
+          </a:effectRef>
+          <a:fontRef idx="minor">
+            <a:schemeClr val="dk1"/>
+          </a:fontRef>
+        </p:style>
+        <p:txBody>
+          <a:bodyPr wrap="none" rtlCol="0">
+            <a:spAutoFit/>
+          </a:bodyPr>
+          <a:lstStyle/>
+          <a:p>
+            <a:r>
+              <a:rPr lang="en-US" sz="1100" dirty="0"/>
+              <a:t>double</a:t>
+            </a:r>
+          </a:p>
+        </p:txBody>
+      </p:sp>
     </p:spTree>
     <p:extLst>
       <p:ext uri="{BB962C8B-B14F-4D97-AF65-F5344CB8AC3E}">
@@ -11807,6 +12158,15 @@
 </file>
 
 <file path=customXml/item1.xml><?xml version="1.0" encoding="utf-8"?>
+<?mso-contentType ?>
+<FormTemplates xmlns="http://schemas.microsoft.com/sharepoint/v3/contenttype/forms">
+  <Display>DocumentLibraryForm</Display>
+  <Edit>DocumentLibraryForm</Edit>
+  <New>DocumentLibraryForm</New>
+</FormTemplates>
+</file>
+
+<file path=customXml/item2.xml><?xml version="1.0" encoding="utf-8"?>
 <p:properties xmlns:p="http://schemas.microsoft.com/office/2006/metadata/properties" xmlns:xsi="http://www.w3.org/2001/XMLSchema-instance" xmlns:pc="http://schemas.microsoft.com/office/infopath/2007/PartnerControls">
   <documentManagement>
     <Status xmlns="71af3243-3dd4-4a8d-8c0d-dd76da1f02a5">Not started</Status>
@@ -11823,15 +12183,6 @@
     <MediaServiceKeyPoints xmlns="71af3243-3dd4-4a8d-8c0d-dd76da1f02a5" xsi:nil="true"/>
   </documentManagement>
 </p:properties>
-</file>
-
-<file path=customXml/item2.xml><?xml version="1.0" encoding="utf-8"?>
-<?mso-contentType ?>
-<FormTemplates xmlns="http://schemas.microsoft.com/sharepoint/v3/contenttype/forms">
-  <Display>DocumentLibraryForm</Display>
-  <Edit>DocumentLibraryForm</Edit>
-  <New>DocumentLibraryForm</New>
-</FormTemplates>
 </file>
 
 <file path=customXml/item3.xml><?xml version="1.0" encoding="utf-8"?>
@@ -12111,6 +12462,14 @@
 </file>
 
 <file path=customXml/itemProps1.xml><?xml version="1.0" encoding="utf-8"?>
+<ds:datastoreItem xmlns:ds="http://schemas.openxmlformats.org/officeDocument/2006/customXml" ds:itemID="{A5CCB28C-7D26-4A36-9CFC-D739C28F3D18}">
+  <ds:schemaRefs>
+    <ds:schemaRef ds:uri="http://schemas.microsoft.com/sharepoint/v3/contenttype/forms"/>
+  </ds:schemaRefs>
+</ds:datastoreItem>
+</file>
+
+<file path=customXml/itemProps2.xml><?xml version="1.0" encoding="utf-8"?>
 <ds:datastoreItem xmlns:ds="http://schemas.openxmlformats.org/officeDocument/2006/customXml" ds:itemID="{08757C30-AE9A-4680-90EB-19D282EC2B7C}">
   <ds:schemaRefs>
     <ds:schemaRef ds:uri="http://schemas.microsoft.com/office/2006/metadata/properties"/>
@@ -12118,14 +12477,6 @@
     <ds:schemaRef ds:uri="71af3243-3dd4-4a8d-8c0d-dd76da1f02a5"/>
     <ds:schemaRef ds:uri="http://schemas.microsoft.com/sharepoint/v3"/>
     <ds:schemaRef ds:uri="230e9df3-be65-4c73-a93b-d1236ebd677e"/>
-  </ds:schemaRefs>
-</ds:datastoreItem>
-</file>
-
-<file path=customXml/itemProps2.xml><?xml version="1.0" encoding="utf-8"?>
-<ds:datastoreItem xmlns:ds="http://schemas.openxmlformats.org/officeDocument/2006/customXml" ds:itemID="{A5CCB28C-7D26-4A36-9CFC-D739C28F3D18}">
-  <ds:schemaRefs>
-    <ds:schemaRef ds:uri="http://schemas.microsoft.com/sharepoint/v3/contenttype/forms"/>
   </ds:schemaRefs>
 </ds:datastoreItem>
 </file>
